--- a/2020/Criando meu primeiro Token JWT com Horse/Criando meu primeiro Token JWT com Horse.pptx
+++ b/2020/Criando meu primeiro Token JWT com Horse/Criando meu primeiro Token JWT com Horse.pptx
@@ -273,7 +273,7 @@
           <a:p>
             <a:fld id="{0E82B09B-4730-4B94-B2C1-55AEDE18C705}" type="datetimeFigureOut">
               <a:rPr lang="pt-BR" smtClean="0"/>
-              <a:t>07/12/2020</a:t>
+              <a:t>08/12/2020</a:t>
             </a:fld>
             <a:endParaRPr lang="pt-BR"/>
           </a:p>
@@ -471,7 +471,7 @@
           <a:p>
             <a:fld id="{0E82B09B-4730-4B94-B2C1-55AEDE18C705}" type="datetimeFigureOut">
               <a:rPr lang="pt-BR" smtClean="0"/>
-              <a:t>07/12/2020</a:t>
+              <a:t>08/12/2020</a:t>
             </a:fld>
             <a:endParaRPr lang="pt-BR"/>
           </a:p>
@@ -679,7 +679,7 @@
           <a:p>
             <a:fld id="{0E82B09B-4730-4B94-B2C1-55AEDE18C705}" type="datetimeFigureOut">
               <a:rPr lang="pt-BR" smtClean="0"/>
-              <a:t>07/12/2020</a:t>
+              <a:t>08/12/2020</a:t>
             </a:fld>
             <a:endParaRPr lang="pt-BR"/>
           </a:p>
@@ -877,7 +877,7 @@
           <a:p>
             <a:fld id="{0E82B09B-4730-4B94-B2C1-55AEDE18C705}" type="datetimeFigureOut">
               <a:rPr lang="pt-BR" smtClean="0"/>
-              <a:t>07/12/2020</a:t>
+              <a:t>08/12/2020</a:t>
             </a:fld>
             <a:endParaRPr lang="pt-BR"/>
           </a:p>
@@ -1152,7 +1152,7 @@
           <a:p>
             <a:fld id="{0E82B09B-4730-4B94-B2C1-55AEDE18C705}" type="datetimeFigureOut">
               <a:rPr lang="pt-BR" smtClean="0"/>
-              <a:t>07/12/2020</a:t>
+              <a:t>08/12/2020</a:t>
             </a:fld>
             <a:endParaRPr lang="pt-BR"/>
           </a:p>
@@ -1417,7 +1417,7 @@
           <a:p>
             <a:fld id="{0E82B09B-4730-4B94-B2C1-55AEDE18C705}" type="datetimeFigureOut">
               <a:rPr lang="pt-BR" smtClean="0"/>
-              <a:t>07/12/2020</a:t>
+              <a:t>08/12/2020</a:t>
             </a:fld>
             <a:endParaRPr lang="pt-BR"/>
           </a:p>
@@ -1829,7 +1829,7 @@
           <a:p>
             <a:fld id="{0E82B09B-4730-4B94-B2C1-55AEDE18C705}" type="datetimeFigureOut">
               <a:rPr lang="pt-BR" smtClean="0"/>
-              <a:t>07/12/2020</a:t>
+              <a:t>08/12/2020</a:t>
             </a:fld>
             <a:endParaRPr lang="pt-BR"/>
           </a:p>
@@ -1970,7 +1970,7 @@
           <a:p>
             <a:fld id="{0E82B09B-4730-4B94-B2C1-55AEDE18C705}" type="datetimeFigureOut">
               <a:rPr lang="pt-BR" smtClean="0"/>
-              <a:t>07/12/2020</a:t>
+              <a:t>08/12/2020</a:t>
             </a:fld>
             <a:endParaRPr lang="pt-BR"/>
           </a:p>
@@ -2083,7 +2083,7 @@
           <a:p>
             <a:fld id="{0E82B09B-4730-4B94-B2C1-55AEDE18C705}" type="datetimeFigureOut">
               <a:rPr lang="pt-BR" smtClean="0"/>
-              <a:t>07/12/2020</a:t>
+              <a:t>08/12/2020</a:t>
             </a:fld>
             <a:endParaRPr lang="pt-BR"/>
           </a:p>
@@ -2394,7 +2394,7 @@
           <a:p>
             <a:fld id="{0E82B09B-4730-4B94-B2C1-55AEDE18C705}" type="datetimeFigureOut">
               <a:rPr lang="pt-BR" smtClean="0"/>
-              <a:t>07/12/2020</a:t>
+              <a:t>08/12/2020</a:t>
             </a:fld>
             <a:endParaRPr lang="pt-BR"/>
           </a:p>
@@ -2682,7 +2682,7 @@
           <a:p>
             <a:fld id="{0E82B09B-4730-4B94-B2C1-55AEDE18C705}" type="datetimeFigureOut">
               <a:rPr lang="pt-BR" smtClean="0"/>
-              <a:t>07/12/2020</a:t>
+              <a:t>08/12/2020</a:t>
             </a:fld>
             <a:endParaRPr lang="pt-BR"/>
           </a:p>
@@ -2926,7 +2926,7 @@
           <a:p>
             <a:fld id="{0E82B09B-4730-4B94-B2C1-55AEDE18C705}" type="datetimeFigureOut">
               <a:rPr lang="pt-BR" smtClean="0"/>
-              <a:t>07/12/2020</a:t>
+              <a:t>08/12/2020</a:t>
             </a:fld>
             <a:endParaRPr lang="pt-BR"/>
           </a:p>
@@ -6713,7 +6713,7 @@
           <a:lstStyle/>
           <a:p>
             <a:r>
-              <a:rPr lang="pt-BR" b="1">
+              <a:rPr lang="pt-BR" b="1" dirty="0">
                 <a:solidFill>
                   <a:srgbClr val="161B3D"/>
                 </a:solidFill>
@@ -6722,13 +6722,6 @@
               </a:rPr>
               <a:t>Autenticação x Autorização</a:t>
             </a:r>
-            <a:endParaRPr lang="pt-BR" b="1" dirty="0">
-              <a:solidFill>
-                <a:srgbClr val="161B3D"/>
-              </a:solidFill>
-              <a:latin typeface="Arial" panose="020B0604020202020204" pitchFamily="34" charset="0"/>
-              <a:cs typeface="Arial" panose="020B0604020202020204" pitchFamily="34" charset="0"/>
-            </a:endParaRPr>
           </a:p>
         </p:txBody>
       </p:sp>
@@ -7440,7 +7433,7 @@
                 <a:latin typeface="Arial" panose="020B0604020202020204" pitchFamily="34" charset="0"/>
                 <a:cs typeface="Arial" panose="020B0604020202020204" pitchFamily="34" charset="0"/>
               </a:rPr>
-              <a:t> e o JWT, separados por dois pontos (:) no formato de base64.</a:t>
+              <a:t> e o JWT.</a:t>
             </a:r>
           </a:p>
           <a:p>
@@ -8315,7 +8308,7 @@
                 <a:latin typeface="Arial" panose="020B0604020202020204" pitchFamily="34" charset="0"/>
                 <a:cs typeface="Arial" panose="020B0604020202020204" pitchFamily="34" charset="0"/>
               </a:rPr>
-              <a:t>": "JWT"</a:t>
+              <a:t>": "JWT“</a:t>
             </a:r>
           </a:p>
           <a:p>
@@ -8330,43 +8323,20 @@
                 <a:latin typeface="Arial" panose="020B0604020202020204" pitchFamily="34" charset="0"/>
                 <a:cs typeface="Arial" panose="020B0604020202020204" pitchFamily="34" charset="0"/>
               </a:rPr>
-              <a:t>    "</a:t>
-            </a:r>
-            <a:r>
-              <a:rPr lang="pt-BR" sz="1600" dirty="0" err="1">
-                <a:solidFill>
-                  <a:srgbClr val="2A2A2A"/>
-                </a:solidFill>
-                <a:latin typeface="Arial" panose="020B0604020202020204" pitchFamily="34" charset="0"/>
-                <a:cs typeface="Arial" panose="020B0604020202020204" pitchFamily="34" charset="0"/>
-              </a:rPr>
-              <a:t>exp</a:t>
-            </a:r>
-            <a:r>
-              <a:rPr lang="pt-BR" sz="1600" dirty="0">
-                <a:solidFill>
-                  <a:srgbClr val="2A2A2A"/>
-                </a:solidFill>
-                <a:latin typeface="Arial" panose="020B0604020202020204" pitchFamily="34" charset="0"/>
-                <a:cs typeface="Arial" panose="020B0604020202020204" pitchFamily="34" charset="0"/>
-              </a:rPr>
-              <a:t>": "1516239022"</a:t>
+              <a:t>}</a:t>
             </a:r>
           </a:p>
           <a:p>
             <a:pPr marL="0" indent="0">
               <a:buNone/>
             </a:pPr>
-            <a:r>
-              <a:rPr lang="pt-BR" sz="1600" dirty="0">
-                <a:solidFill>
-                  <a:srgbClr val="2A2A2A"/>
-                </a:solidFill>
-                <a:latin typeface="Arial" panose="020B0604020202020204" pitchFamily="34" charset="0"/>
-                <a:cs typeface="Arial" panose="020B0604020202020204" pitchFamily="34" charset="0"/>
-              </a:rPr>
-              <a:t>}</a:t>
-            </a:r>
+            <a:endParaRPr lang="pt-BR" sz="1600" dirty="0">
+              <a:solidFill>
+                <a:srgbClr val="2A2A2A"/>
+              </a:solidFill>
+              <a:latin typeface="Arial" panose="020B0604020202020204" pitchFamily="34" charset="0"/>
+              <a:cs typeface="Arial" panose="020B0604020202020204" pitchFamily="34" charset="0"/>
+            </a:endParaRPr>
           </a:p>
           <a:p>
             <a:pPr marL="0" indent="0">
